--- a/Chanco_ST6103_GLM_2019_Henrion_Session1.pptx
+++ b/Chanco_ST6103_GLM_2019_Henrion_Session1.pptx
@@ -7428,6 +7428,24 @@
             <a:r>
               <a:rPr/>
               <a:t> or some other software.</a:t>
+            </a:r>
+          </a:p>
+          <a:p>
+            <a:pPr lvl="1"/>
+            <a:r>
+              <a:rPr/>
+              <a:t>GitHub repository - will contain all course materials by the end of the week:</a:t>
+            </a:r>
+          </a:p>
+          <a:p>
+            <a:pPr lvl="1">
+              <a:buNone/>
+            </a:pPr>
+            <a:r>
+              <a:rPr>
+                <a:hlinkClick r:id="rId2"/>
+              </a:rPr>
+              <a:t>https://github.com/gitMarcH/Chanco_ST6103</a:t>
             </a:r>
           </a:p>
         </p:txBody>

--- a/Chanco_ST6103_GLM_2019_Henrion_Session1.pptx
+++ b/Chanco_ST6103_GLM_2019_Henrion_Session1.pptx
@@ -8886,25 +8886,25 @@
                 </a:r>
                 <a14:m>
                   <m:oMath xmlns:m="http://schemas.openxmlformats.org/officeDocument/2006/math">
-                    <m:acc>
-                      <m:accPr>
-                        <m:chr m:val="̂"/>
-                      </m:accPr>
+                    <m:sSub>
                       <m:e>
-                        <m:sSub>
+                        <m:acc>
+                          <m:accPr>
+                            <m:chr m:val="̂"/>
+                          </m:accPr>
                           <m:e>
                             <m:r>
                               <m:t>β</m:t>
                             </m:r>
                           </m:e>
-                          <m:sub>
-                            <m:r>
-                              <m:t>1</m:t>
-                            </m:r>
-                          </m:sub>
-                        </m:sSub>
+                        </m:acc>
                       </m:e>
-                    </m:acc>
+                      <m:sub>
+                        <m:r>
+                          <m:t>1</m:t>
+                        </m:r>
+                      </m:sub>
+                    </m:sSub>
                   </m:oMath>
                 </a14:m>
                 <a:r>
@@ -12224,6 +12224,9 @@
                               </m:r>
                             </m:e>
                           </m:bar>
+                          <m:r>
+                            <m:t> </m:t>
+                          </m:r>
                           <m:bar>
                             <m:barPr>
                               <m:pos m:val="top"/>
@@ -14067,8 +14070,49 @@
                 </a:r>
                 <a:r>
                   <a:rPr/>
-                  <a:t> of the fitted regression line</a:t>
-                </a:r>
+                  <a:t> of the fitted regression line; it is the value predicted for </a:t>
+                </a:r>
+                <a14:m>
+                  <m:oMath xmlns:m="http://schemas.openxmlformats.org/officeDocument/2006/math">
+                    <m:r>
+                      <m:t>Y</m:t>
+                    </m:r>
+                  </m:oMath>
+                </a14:m>
+                <a:r>
+                  <a:rPr/>
+                  <a:t> when </a:t>
+                </a:r>
+                <a14:m>
+                  <m:oMath xmlns:m="http://schemas.openxmlformats.org/officeDocument/2006/math">
+                    <m:r>
+                      <m:t>X</m:t>
+                    </m:r>
+                    <m:r>
+                      <m:t>=</m:t>
+                    </m:r>
+                    <m:r>
+                      <m:t>0</m:t>
+                    </m:r>
+                  </m:oMath>
+                </a14:m>
+              </a:p>
+              <a:p>
+                <a:pPr lvl="0" marL="0" indent="0">
+                  <a:buNone/>
+                </a:pPr>
+                <a14:m>
+                  <m:oMathPara xmlns:m="http://schemas.openxmlformats.org/officeDocument/2006/math">
+                    <m:oMathParaPr>
+                      <m:jc m:val="center"/>
+                    </m:oMathParaPr>
+                    <m:oMath>
+                      <m:r>
+                        <m:t> </m:t>
+                      </m:r>
+                    </m:oMath>
+                  </m:oMathPara>
+                </a14:m>
               </a:p>
               <a:p>
                 <a:pPr lvl="1"/>
@@ -14105,7 +14149,29 @@
                 </a:r>
                 <a:r>
                   <a:rPr/>
-                  <a:t> of the fitted regression line</a:t>
+                  <a:t> of the fitted regression line; it gives by how much </a:t>
+                </a:r>
+                <a14:m>
+                  <m:oMath xmlns:m="http://schemas.openxmlformats.org/officeDocument/2006/math">
+                    <m:r>
+                      <m:t>Y</m:t>
+                    </m:r>
+                  </m:oMath>
+                </a14:m>
+                <a:r>
+                  <a:rPr/>
+                  <a:t> changes, on average, for every increase in </a:t>
+                </a:r>
+                <a14:m>
+                  <m:oMath xmlns:m="http://schemas.openxmlformats.org/officeDocument/2006/math">
+                    <m:r>
+                      <m:t>X</m:t>
+                    </m:r>
+                  </m:oMath>
+                </a14:m>
+                <a:r>
+                  <a:rPr/>
+                  <a:t> by 1</a:t>
                 </a:r>
               </a:p>
             </p:txBody>
@@ -19939,44 +20005,6 @@
                         </m:r>
                       </m:sub>
                     </m:sSub>
-                    <m:r>
-                      <m:t>+</m:t>
-                    </m:r>
-                    <m:sSub>
-                      <m:e>
-                        <m:r>
-                          <m:t>β</m:t>
-                        </m:r>
-                      </m:e>
-                      <m:sub>
-                        <m:r>
-                          <m:t>1</m:t>
-                        </m:r>
-                      </m:sub>
-                    </m:sSub>
-                    <m:r>
-                      <m:t>X</m:t>
-                    </m:r>
-                    <m:r>
-                      <m:t>+</m:t>
-                    </m:r>
-                    <m:sSubSup>
-                      <m:e>
-                        <m:r>
-                          <m:t>β</m:t>
-                        </m:r>
-                      </m:e>
-                      <m:sub>
-                        <m:r>
-                          <m:t>1</m:t>
-                        </m:r>
-                      </m:sub>
-                      <m:sup>
-                        <m:r>
-                          <m:t>2</m:t>
-                        </m:r>
-                      </m:sup>
-                    </m:sSubSup>
                     <m:sSup>
                       <m:e>
                         <m:r>
@@ -19984,9 +20012,18 @@
                         </m:r>
                       </m:e>
                       <m:sup>
-                        <m:r>
-                          <m:t>2</m:t>
-                        </m:r>
+                        <m:sSub>
+                          <m:e>
+                            <m:r>
+                              <m:t>β</m:t>
+                            </m:r>
+                          </m:e>
+                          <m:sub>
+                            <m:r>
+                              <m:t>1</m:t>
+                            </m:r>
+                          </m:sub>
+                        </m:sSub>
                       </m:sup>
                     </m:sSup>
                     <m:r>
@@ -20854,48 +20891,130 @@
                       <m:jc m:val="center"/>
                     </m:oMathParaPr>
                     <m:oMath>
-                      <m:r>
-                        <m:t>E</m:t>
-                      </m:r>
                       <m:d>
                         <m:dPr>
-                          <m:begChr m:val="("/>
-                          <m:endChr m:val=")"/>
+                          <m:begChr m:val="{"/>
+                          <m:endChr m:val=""/>
                           <m:grow/>
                         </m:dPr>
                         <m:e>
-                          <m:r>
-                            <m:rPr>
-                              <m:sty m:val="b"/>
-                            </m:rPr>
-                            <m:t>Y</m:t>
-                          </m:r>
-                          <m:r>
-                            <m:t>|</m:t>
-                          </m:r>
-                          <m:r>
-                            <m:rPr>
-                              <m:sty m:val="b"/>
-                            </m:rPr>
-                            <m:t>X</m:t>
-                          </m:r>
+                          <m:m>
+                            <m:mPr>
+                              <m:baseJc m:val="center"/>
+                              <m:plcHide m:val="1"/>
+                              <m:mcs>
+                                <m:mc>
+                                  <m:mcPr>
+                                    <m:mcJc m:val="left"/>
+                                    <m:count m:val="1"/>
+                                  </m:mcPr>
+                                </m:mc>
+                              </m:mcs>
+                            </m:mPr>
+                            <m:mr>
+                              <m:e>
+                                <m:r>
+                                  <m:t>E</m:t>
+                                </m:r>
+                                <m:d>
+                                  <m:dPr>
+                                    <m:begChr m:val="("/>
+                                    <m:endChr m:val=")"/>
+                                    <m:grow/>
+                                  </m:dPr>
+                                  <m:e>
+                                    <m:r>
+                                      <m:rPr>
+                                        <m:sty m:val="b"/>
+                                      </m:rPr>
+                                      <m:t>Y</m:t>
+                                    </m:r>
+                                    <m:r>
+                                      <m:t>|</m:t>
+                                    </m:r>
+                                    <m:r>
+                                      <m:rPr>
+                                        <m:sty m:val="b"/>
+                                      </m:rPr>
+                                      <m:t>X</m:t>
+                                    </m:r>
+                                  </m:e>
+                                </m:d>
+                                <m:r>
+                                  <m:t>=</m:t>
+                                </m:r>
+                                <m:r>
+                                  <m:rPr>
+                                    <m:sty m:val="b"/>
+                                  </m:rPr>
+                                  <m:t>X</m:t>
+                                </m:r>
+                                <m:r>
+                                  <m:rPr>
+                                    <m:sty m:val="b"/>
+                                  </m:rPr>
+                                  <m:t>β</m:t>
+                                </m:r>
+                              </m:e>
+                            </m:mr>
+                            <m:mr>
+                              <m:e>
+                                <m:r>
+                                  <m:t>V</m:t>
+                                </m:r>
+                                <m:r>
+                                  <m:t>a</m:t>
+                                </m:r>
+                                <m:r>
+                                  <m:t>r</m:t>
+                                </m:r>
+                                <m:r>
+                                  <m:t>(</m:t>
+                                </m:r>
+                                <m:r>
+                                  <m:rPr>
+                                    <m:sty m:val="b"/>
+                                  </m:rPr>
+                                  <m:t>Y</m:t>
+                                </m:r>
+                                <m:r>
+                                  <m:t>−</m:t>
+                                </m:r>
+                                <m:r>
+                                  <m:rPr>
+                                    <m:sty m:val="b"/>
+                                  </m:rPr>
+                                  <m:t>X</m:t>
+                                </m:r>
+                                <m:r>
+                                  <m:rPr>
+                                    <m:sty m:val="b"/>
+                                  </m:rPr>
+                                  <m:t>β</m:t>
+                                </m:r>
+                                <m:r>
+                                  <m:t>)</m:t>
+                                </m:r>
+                                <m:r>
+                                  <m:t>=</m:t>
+                                </m:r>
+                                <m:sSup>
+                                  <m:e>
+                                    <m:r>
+                                      <m:t>σ</m:t>
+                                    </m:r>
+                                  </m:e>
+                                  <m:sup>
+                                    <m:r>
+                                      <m:t>2</m:t>
+                                    </m:r>
+                                  </m:sup>
+                                </m:sSup>
+                              </m:e>
+                            </m:mr>
+                          </m:m>
                         </m:e>
                       </m:d>
-                      <m:r>
-                        <m:t>=</m:t>
-                      </m:r>
-                      <m:r>
-                        <m:rPr>
-                          <m:sty m:val="b"/>
-                        </m:rPr>
-                        <m:t>X</m:t>
-                      </m:r>
-                      <m:r>
-                        <m:rPr>
-                          <m:sty m:val="b"/>
-                        </m:rPr>
-                        <m:t>β</m:t>
-                      </m:r>
                     </m:oMath>
                   </m:oMathPara>
                 </a14:m>

--- a/Chanco_ST6103_GLM_2019_Henrion_Session1.pptx
+++ b/Chanco_ST6103_GLM_2019_Henrion_Session1.pptx
@@ -12904,40 +12904,102 @@
           <a:chExt cx="0" cy="0"/>
         </a:xfrm>
       </p:grpSpPr>
-      <p:sp>
-        <p:nvSpPr>
-          <p:cNvPr id="3" name="Content Placeholder 2">
-            <a:extLst>
-              <a:ext uri="{FF2B5EF4-FFF2-40B4-BE49-F238E27FC236}">
-                <a16:creationId xmlns:a16="http://schemas.microsoft.com/office/drawing/2014/main" id="{288BC91F-1C76-43AE-8B2A-956D48B768BE}"/>
-              </a:ext>
-            </a:extLst>
-          </p:cNvPr>
-          <p:cNvSpPr>
-            <a:spLocks noGrp="1"/>
-          </p:cNvSpPr>
-          <p:nvPr>
-            <p:ph idx="1"/>
-          </p:nvPr>
-        </p:nvSpPr>
-        <p:spPr/>
-        <p:txBody>
-          <a:bodyPr/>
-          <a:lstStyle/>
-          <a:p>
-            <a:pPr lvl="0" marL="0" indent="0">
-              <a:spcBef>
-                <a:spcPts val="3000"/>
-              </a:spcBef>
-              <a:buNone/>
-            </a:pPr>
-            <a:r>
-              <a:rPr b="1"/>
-              <a:t>Session 1: Linear Model</a:t>
-            </a:r>
-          </a:p>
-        </p:txBody>
-      </p:sp>
+      <mc:AlternateContent xmlns:mc="http://schemas.openxmlformats.org/markup-compatibility/2006">
+        <mc:Choice xmlns:a14="http://schemas.microsoft.com/office/drawing/2010/main" Requires="a14">
+          <p:sp>
+            <p:nvSpPr>
+              <p:cNvPr id="3" name="Content Placeholder 2">
+                <a:extLst>
+                  <a:ext uri="{FF2B5EF4-FFF2-40B4-BE49-F238E27FC236}">
+                    <a16:creationId xmlns:a16="http://schemas.microsoft.com/office/drawing/2014/main" id="{288BC91F-1C76-43AE-8B2A-956D48B768BE}"/>
+                  </a:ext>
+                </a:extLst>
+              </p:cNvPr>
+              <p:cNvSpPr>
+                <a:spLocks noGrp="1"/>
+              </p:cNvSpPr>
+              <p:nvPr>
+                <p:ph idx="1"/>
+              </p:nvPr>
+            </p:nvSpPr>
+            <p:spPr/>
+            <p:txBody>
+              <a:bodyPr/>
+              <a:lstStyle/>
+              <a:p>
+                <a:pPr lvl="0" marL="0" indent="0">
+                  <a:spcBef>
+                    <a:spcPts val="3000"/>
+                  </a:spcBef>
+                  <a:buNone/>
+                </a:pPr>
+                <a:r>
+                  <a:rPr b="1"/>
+                  <a:t>Session 1: Linear Model</a:t>
+                </a:r>
+              </a:p>
+              <a:p>
+                <a:pPr lvl="0" marL="0" indent="0">
+                  <a:buNone/>
+                </a:pPr>
+                <a14:m>
+                  <m:oMathPara xmlns:m="http://schemas.openxmlformats.org/officeDocument/2006/math">
+                    <m:oMathParaPr>
+                      <m:jc m:val="center"/>
+                    </m:oMathParaPr>
+                    <m:oMath>
+                      <m:r>
+                        <m:t> </m:t>
+                      </m:r>
+                    </m:oMath>
+                  </m:oMathPara>
+                </a14:m>
+              </a:p>
+              <a:p>
+                <a:pPr lvl="0" marL="0" indent="0">
+                  <a:buNone/>
+                </a:pPr>
+                <a:r>
+                  <a:rPr/>
+                  <a:t>The definite reference for GLMs is:</a:t>
+                </a:r>
+              </a:p>
+              <a:p>
+                <a:pPr lvl="0" marL="0" indent="0">
+                  <a:buNone/>
+                </a:pPr>
+                <a:r>
+                  <a:rPr/>
+                  <a:t>McCullagh, P. and Nelder, J.A. (1989). “Generalized Linear Models”. </a:t>
+                </a:r>
+                <a14:m>
+                  <m:oMath xmlns:m="http://schemas.openxmlformats.org/officeDocument/2006/math">
+                    <m:sSup>
+                      <m:e>
+                        <m:r>
+                          <m:t>2</m:t>
+                        </m:r>
+                      </m:e>
+                      <m:sup>
+                        <m:r>
+                          <m:t>n</m:t>
+                        </m:r>
+                        <m:r>
+                          <m:t>d</m:t>
+                        </m:r>
+                      </m:sup>
+                    </m:sSup>
+                  </m:oMath>
+                </a14:m>
+                <a:r>
+                  <a:rPr/>
+                  <a:t> ed. Chapman &amp; Hall / CRC.</a:t>
+                </a:r>
+              </a:p>
+            </p:txBody>
+          </p:sp>
+        </mc:Choice>
+      </mc:AlternateContent>
     </p:spTree>
   </p:cSld>
 </p:sld>

--- a/Chanco_ST6103_GLM_2019_Henrion_Session1.pptx
+++ b/Chanco_ST6103_GLM_2019_Henrion_Session1.pptx
@@ -7177,7 +7177,7 @@
                         </m:e>
                         <m:sub>
                           <m:r>
-                            <m:t>i</m:t>
+                            <m:t>1</m:t>
                           </m:r>
                         </m:sub>
                       </m:sSub>
@@ -8722,6 +8722,9 @@
                         </m:r>
                       </m:e>
                     </m:bar>
+                    <m:r>
+                      <m:t> </m:t>
+                    </m:r>
                     <m:bar>
                       <m:barPr>
                         <m:pos m:val="top"/>

--- a/Chanco_ST6103_GLM_2019_Henrion_Session1.pptx
+++ b/Chanco_ST6103_GLM_2019_Henrion_Session1.pptx
@@ -9731,25 +9731,25 @@
                     <m:r>
                       <m:t>n</m:t>
                     </m:r>
-                    <m:acc>
-                      <m:accPr>
-                        <m:chr m:val="̂"/>
-                      </m:accPr>
+                    <m:sSub>
                       <m:e>
-                        <m:sSub>
+                        <m:acc>
+                          <m:accPr>
+                            <m:chr m:val="̂"/>
+                          </m:accPr>
                           <m:e>
                             <m:r>
                               <m:t>β</m:t>
                             </m:r>
                           </m:e>
-                          <m:sub>
-                            <m:r>
-                              <m:t>0</m:t>
-                            </m:r>
-                          </m:sub>
-                        </m:sSub>
+                        </m:acc>
                       </m:e>
-                    </m:acc>
+                      <m:sub>
+                        <m:r>
+                          <m:t>0</m:t>
+                        </m:r>
+                      </m:sub>
+                    </m:sSub>
                     <m:r>
                       <m:t>−</m:t>
                     </m:r>
@@ -14822,6 +14822,21 @@
                 <a:pPr lvl="0" marL="0" indent="0">
                   <a:buNone/>
                 </a:pPr>
+                <a:r>
+                  <a:rPr/>
+                  <a:t>In the case of a single predictor </a:t>
+                </a:r>
+                <a14:m>
+                  <m:oMath xmlns:m="http://schemas.openxmlformats.org/officeDocument/2006/math">
+                    <m:r>
+                      <m:t>X</m:t>
+                    </m:r>
+                  </m:oMath>
+                </a14:m>
+                <a:r>
+                  <a:rPr/>
+                  <a:t>, </a:t>
+                </a:r>
                 <a14:m>
                   <m:oMath xmlns:m="http://schemas.openxmlformats.org/officeDocument/2006/math">
                     <m:sSup>
@@ -14840,7 +14855,67 @@
                 </a14:m>
                 <a:r>
                   <a:rPr/>
-                  <a:t> is also the squared sample correlation coefficient.</a:t>
+                  <a:t> is also the squared sample correlation coefficient </a:t>
+                </a:r>
+                <a14:m>
+                  <m:oMath xmlns:m="http://schemas.openxmlformats.org/officeDocument/2006/math">
+                    <m:r>
+                      <m:t>ρ</m:t>
+                    </m:r>
+                    <m:r>
+                      <m:t>(</m:t>
+                    </m:r>
+                    <m:r>
+                      <m:rPr>
+                        <m:sty m:val="b"/>
+                      </m:rPr>
+                      <m:t>y</m:t>
+                    </m:r>
+                    <m:r>
+                      <m:t>,</m:t>
+                    </m:r>
+                    <m:r>
+                      <m:rPr>
+                        <m:sty m:val="b"/>
+                      </m:rPr>
+                      <m:t>x</m:t>
+                    </m:r>
+                    <m:r>
+                      <m:t>)</m:t>
+                    </m:r>
+                  </m:oMath>
+                </a14:m>
+                <a:r>
+                  <a:rPr/>
+                  <a:t> between the observed </a:t>
+                </a:r>
+                <a14:m>
+                  <m:oMath xmlns:m="http://schemas.openxmlformats.org/officeDocument/2006/math">
+                    <m:r>
+                      <m:rPr>
+                        <m:sty m:val="b"/>
+                      </m:rPr>
+                      <m:t>y</m:t>
+                    </m:r>
+                  </m:oMath>
+                </a14:m>
+                <a:r>
+                  <a:rPr/>
+                  <a:t> and </a:t>
+                </a:r>
+                <a14:m>
+                  <m:oMath xmlns:m="http://schemas.openxmlformats.org/officeDocument/2006/math">
+                    <m:r>
+                      <m:rPr>
+                        <m:sty m:val="b"/>
+                      </m:rPr>
+                      <m:t>x</m:t>
+                    </m:r>
+                  </m:oMath>
+                </a14:m>
+                <a:r>
+                  <a:rPr/>
+                  <a:t>.</a:t>
                 </a:r>
               </a:p>
             </p:txBody>

--- a/Chanco_ST6103_GLM_2019_Henrion_Session1.pptx
+++ b/Chanco_ST6103_GLM_2019_Henrion_Session1.pptx
@@ -20455,13 +20455,7 @@
                                   </m:e>
                                   <m:sub>
                                     <m:r>
-                                      <m:t>1</m:t>
-                                    </m:r>
-                                    <m:r>
-                                      <m:t>,</m:t>
-                                    </m:r>
-                                    <m:r>
-                                      <m:t>1</m:t>
+                                      <m:t>11</m:t>
                                     </m:r>
                                   </m:sub>
                                 </m:sSub>
@@ -20486,13 +20480,10 @@
                                   </m:e>
                                   <m:sub>
                                     <m:r>
-                                      <m:t>1</m:t>
+                                      <m:t>p</m:t>
                                     </m:r>
                                     <m:r>
-                                      <m:t>,</m:t>
-                                    </m:r>
-                                    <m:r>
-                                      <m:t>p</m:t>
+                                      <m:t>1</m:t>
                                     </m:r>
                                   </m:sub>
                                 </m:sSub>
@@ -20547,13 +20538,10 @@
                                   </m:e>
                                   <m:sub>
                                     <m:r>
-                                      <m:t>n</m:t>
+                                      <m:t>1</m:t>
                                     </m:r>
                                     <m:r>
-                                      <m:t>,</m:t>
-                                    </m:r>
-                                    <m:r>
-                                      <m:t>p</m:t>
+                                      <m:t>n</m:t>
                                     </m:r>
                                   </m:sub>
                                 </m:sSub>
@@ -20578,13 +20566,10 @@
                                   </m:e>
                                   <m:sub>
                                     <m:r>
-                                      <m:t>n</m:t>
+                                      <m:t>p</m:t>
                                     </m:r>
                                     <m:r>
-                                      <m:t>,</m:t>
-                                    </m:r>
-                                    <m:r>
-                                      <m:t>p</m:t>
+                                      <m:t>n</m:t>
                                     </m:r>
                                   </m:sub>
                                 </m:sSub>
@@ -20593,88 +20578,6 @@
                           </m:m>
                         </m:e>
                       </m:d>
-                    </m:oMath>
-                  </m:oMathPara>
-                </a14:m>
-              </a:p>
-              <a:p>
-                <a:pPr lvl="0" marL="0" indent="0">
-                  <a:buNone/>
-                </a:pPr>
-                <a14:m>
-                  <m:oMathPara xmlns:m="http://schemas.openxmlformats.org/officeDocument/2006/math">
-                    <m:oMathParaPr>
-                      <m:jc m:val="center"/>
-                    </m:oMathParaPr>
-                    <m:oMath>
-                      <m:r>
-                        <m:t> </m:t>
-                      </m:r>
-                    </m:oMath>
-                  </m:oMathPara>
-                </a14:m>
-              </a:p>
-              <a:p>
-                <a:pPr lvl="0" marL="0" indent="0">
-                  <a:buNone/>
-                </a:pPr>
-                <a14:m>
-                  <m:oMathPara xmlns:m="http://schemas.openxmlformats.org/officeDocument/2006/math">
-                    <m:oMathParaPr>
-                      <m:jc m:val="center"/>
-                    </m:oMathParaPr>
-                    <m:oMath>
-                      <m:r>
-                        <m:rPr>
-                          <m:sty m:val="b"/>
-                        </m:rPr>
-                        <m:t>ϵ</m:t>
-                      </m:r>
-                      <m:r>
-                        <m:t>=</m:t>
-                      </m:r>
-                      <m:r>
-                        <m:t>(</m:t>
-                      </m:r>
-                      <m:sSub>
-                        <m:e>
-                          <m:r>
-                            <m:t>ϵ</m:t>
-                          </m:r>
-                        </m:e>
-                        <m:sub>
-                          <m:r>
-                            <m:t>1</m:t>
-                          </m:r>
-                        </m:sub>
-                      </m:sSub>
-                      <m:r>
-                        <m:t>…</m:t>
-                      </m:r>
-                      <m:sSub>
-                        <m:e>
-                          <m:r>
-                            <m:t>ϵ</m:t>
-                          </m:r>
-                        </m:e>
-                        <m:sub>
-                          <m:r>
-                            <m:t>n</m:t>
-                          </m:r>
-                        </m:sub>
-                      </m:sSub>
-                      <m:sSup>
-                        <m:e>
-                          <m:r>
-                            <m:t>)</m:t>
-                          </m:r>
-                        </m:e>
-                        <m:sup>
-                          <m:r>
-                            <m:t>T</m:t>
-                          </m:r>
-                        </m:sup>
-                      </m:sSup>
                     </m:oMath>
                   </m:oMathPara>
                 </a14:m>
@@ -20748,6 +20651,88 @@
                         <m:sub>
                           <m:r>
                             <m:t>p</m:t>
+                          </m:r>
+                        </m:sub>
+                      </m:sSub>
+                      <m:sSup>
+                        <m:e>
+                          <m:r>
+                            <m:t>)</m:t>
+                          </m:r>
+                        </m:e>
+                        <m:sup>
+                          <m:r>
+                            <m:t>T</m:t>
+                          </m:r>
+                        </m:sup>
+                      </m:sSup>
+                    </m:oMath>
+                  </m:oMathPara>
+                </a14:m>
+              </a:p>
+              <a:p>
+                <a:pPr lvl="0" marL="0" indent="0">
+                  <a:buNone/>
+                </a:pPr>
+                <a14:m>
+                  <m:oMathPara xmlns:m="http://schemas.openxmlformats.org/officeDocument/2006/math">
+                    <m:oMathParaPr>
+                      <m:jc m:val="center"/>
+                    </m:oMathParaPr>
+                    <m:oMath>
+                      <m:r>
+                        <m:t> </m:t>
+                      </m:r>
+                    </m:oMath>
+                  </m:oMathPara>
+                </a14:m>
+              </a:p>
+              <a:p>
+                <a:pPr lvl="0" marL="0" indent="0">
+                  <a:buNone/>
+                </a:pPr>
+                <a14:m>
+                  <m:oMathPara xmlns:m="http://schemas.openxmlformats.org/officeDocument/2006/math">
+                    <m:oMathParaPr>
+                      <m:jc m:val="center"/>
+                    </m:oMathParaPr>
+                    <m:oMath>
+                      <m:r>
+                        <m:rPr>
+                          <m:sty m:val="b"/>
+                        </m:rPr>
+                        <m:t>ϵ</m:t>
+                      </m:r>
+                      <m:r>
+                        <m:t>=</m:t>
+                      </m:r>
+                      <m:r>
+                        <m:t>(</m:t>
+                      </m:r>
+                      <m:sSub>
+                        <m:e>
+                          <m:r>
+                            <m:t>ϵ</m:t>
+                          </m:r>
+                        </m:e>
+                        <m:sub>
+                          <m:r>
+                            <m:t>1</m:t>
+                          </m:r>
+                        </m:sub>
+                      </m:sSub>
+                      <m:r>
+                        <m:t>…</m:t>
+                      </m:r>
+                      <m:sSub>
+                        <m:e>
+                          <m:r>
+                            <m:t>ϵ</m:t>
+                          </m:r>
+                        </m:e>
+                        <m:sub>
+                          <m:r>
+                            <m:t>n</m:t>
                           </m:r>
                         </m:sub>
                       </m:sSub>
@@ -21158,6 +21143,207 @@
                     </m:oMath>
                   </m:oMathPara>
                 </a14:m>
+              </a:p>
+              <a:p>
+                <a:pPr lvl="0" marL="0" indent="0">
+                  <a:buNone/>
+                </a:pPr>
+                <a14:m>
+                  <m:oMathPara xmlns:m="http://schemas.openxmlformats.org/officeDocument/2006/math">
+                    <m:oMathParaPr>
+                      <m:jc m:val="center"/>
+                    </m:oMathParaPr>
+                    <m:oMath>
+                      <m:r>
+                        <m:t> </m:t>
+                      </m:r>
+                    </m:oMath>
+                  </m:oMathPara>
+                </a14:m>
+              </a:p>
+              <a:p>
+                <a:pPr lvl="0" marL="0" indent="0">
+                  <a:buNone/>
+                </a:pPr>
+                <a14:m>
+                  <m:oMath xmlns:m="http://schemas.openxmlformats.org/officeDocument/2006/math">
+                    <m:r>
+                      <m:rPr>
+                        <m:sty m:val="b"/>
+                      </m:rPr>
+                      <m:t>X</m:t>
+                    </m:r>
+                  </m:oMath>
+                </a14:m>
+                <a:r>
+                  <a:rPr/>
+                  <a:t> is called the </a:t>
+                </a:r>
+                <a:r>
+                  <a:rPr b="1"/>
+                  <a:t>design matrix</a:t>
+                </a:r>
+                <a:r>
+                  <a:rPr/>
+                  <a:t>.</a:t>
+                </a:r>
+              </a:p>
+              <a:p>
+                <a:pPr lvl="0" marL="0" indent="0">
+                  <a:buNone/>
+                </a:pPr>
+                <a:r>
+                  <a:rPr/>
+                  <a:t>Dimensions: </a:t>
+                </a:r>
+                <a14:m>
+                  <m:oMath xmlns:m="http://schemas.openxmlformats.org/officeDocument/2006/math">
+                    <m:r>
+                      <m:rPr>
+                        <m:sty m:val="b"/>
+                      </m:rPr>
+                      <m:t>Y</m:t>
+                    </m:r>
+                  </m:oMath>
+                </a14:m>
+                <a:r>
+                  <a:rPr/>
+                  <a:t> is </a:t>
+                </a:r>
+                <a14:m>
+                  <m:oMath xmlns:m="http://schemas.openxmlformats.org/officeDocument/2006/math">
+                    <m:r>
+                      <m:t>n</m:t>
+                    </m:r>
+                    <m:r>
+                      <m:t>×</m:t>
+                    </m:r>
+                    <m:r>
+                      <m:t>1</m:t>
+                    </m:r>
+                  </m:oMath>
+                </a14:m>
+                <a:r>
+                  <a:rPr/>
+                  <a:t>, </a:t>
+                </a:r>
+                <a14:m>
+                  <m:oMath xmlns:m="http://schemas.openxmlformats.org/officeDocument/2006/math">
+                    <m:r>
+                      <m:rPr>
+                        <m:sty m:val="b"/>
+                      </m:rPr>
+                      <m:t>X</m:t>
+                    </m:r>
+                  </m:oMath>
+                </a14:m>
+                <a:r>
+                  <a:rPr/>
+                  <a:t> is </a:t>
+                </a:r>
+                <a14:m>
+                  <m:oMath xmlns:m="http://schemas.openxmlformats.org/officeDocument/2006/math">
+                    <m:r>
+                      <m:t>n</m:t>
+                    </m:r>
+                    <m:r>
+                      <m:t>×</m:t>
+                    </m:r>
+                    <m:r>
+                      <m:t>(</m:t>
+                    </m:r>
+                    <m:r>
+                      <m:t>p</m:t>
+                    </m:r>
+                    <m:r>
+                      <m:t>+</m:t>
+                    </m:r>
+                    <m:r>
+                      <m:t>1</m:t>
+                    </m:r>
+                    <m:r>
+                      <m:t>)</m:t>
+                    </m:r>
+                  </m:oMath>
+                </a14:m>
+                <a:r>
+                  <a:rPr/>
+                  <a:t>, </a:t>
+                </a:r>
+                <a14:m>
+                  <m:oMath xmlns:m="http://schemas.openxmlformats.org/officeDocument/2006/math">
+                    <m:r>
+                      <m:rPr>
+                        <m:sty m:val="b"/>
+                      </m:rPr>
+                      <m:t>β</m:t>
+                    </m:r>
+                  </m:oMath>
+                </a14:m>
+                <a:r>
+                  <a:rPr/>
+                  <a:t> is </a:t>
+                </a:r>
+                <a14:m>
+                  <m:oMath xmlns:m="http://schemas.openxmlformats.org/officeDocument/2006/math">
+                    <m:r>
+                      <m:t>(</m:t>
+                    </m:r>
+                    <m:r>
+                      <m:t>p</m:t>
+                    </m:r>
+                    <m:r>
+                      <m:t>+</m:t>
+                    </m:r>
+                    <m:r>
+                      <m:t>1</m:t>
+                    </m:r>
+                    <m:r>
+                      <m:t>)</m:t>
+                    </m:r>
+                    <m:r>
+                      <m:t>×</m:t>
+                    </m:r>
+                    <m:r>
+                      <m:t>1</m:t>
+                    </m:r>
+                  </m:oMath>
+                </a14:m>
+                <a:r>
+                  <a:rPr/>
+                  <a:t>, </a:t>
+                </a:r>
+                <a14:m>
+                  <m:oMath xmlns:m="http://schemas.openxmlformats.org/officeDocument/2006/math">
+                    <m:r>
+                      <m:rPr>
+                        <m:sty m:val="b"/>
+                      </m:rPr>
+                      <m:t>ϵ</m:t>
+                    </m:r>
+                  </m:oMath>
+                </a14:m>
+                <a:r>
+                  <a:rPr/>
+                  <a:t> is </a:t>
+                </a:r>
+                <a14:m>
+                  <m:oMath xmlns:m="http://schemas.openxmlformats.org/officeDocument/2006/math">
+                    <m:r>
+                      <m:t>x</m:t>
+                    </m:r>
+                    <m:r>
+                      <m:t>×</m:t>
+                    </m:r>
+                    <m:r>
+                      <m:t>1</m:t>
+                    </m:r>
+                  </m:oMath>
+                </a14:m>
+                <a:r>
+                  <a:rPr/>
+                  <a:t>.</a:t>
+                </a:r>
               </a:p>
             </p:txBody>
           </p:sp>

--- a/Chanco_ST6103_GLM_2019_Henrion_Session1.pptx
+++ b/Chanco_ST6103_GLM_2019_Henrion_Session1.pptx
@@ -20928,6 +20928,9 @@
                 <a14:m>
                   <m:oMath xmlns:m="http://schemas.openxmlformats.org/officeDocument/2006/math">
                     <m:r>
+                      <m:rPr>
+                        <m:sty m:val="b"/>
+                      </m:rPr>
                       <m:t>ϵ</m:t>
                     </m:r>
                     <m:r>
@@ -21330,7 +21333,7 @@
                 <a14:m>
                   <m:oMath xmlns:m="http://schemas.openxmlformats.org/officeDocument/2006/math">
                     <m:r>
-                      <m:t>x</m:t>
+                      <m:t>n</m:t>
                     </m:r>
                     <m:r>
                       <m:t>×</m:t>
@@ -21622,7 +21625,7 @@
                 </a14:m>
                 <a:r>
                   <a:rPr/>
-                  <a:t> to be invertible.</a:t>
+                  <a:t> to be invertible (though general inverse could be used).</a:t>
                 </a:r>
               </a:p>
             </p:txBody>
